--- a/MGSC-410 Homework 1.pptx
+++ b/MGSC-410 Homework 1.pptx
@@ -16,23 +16,26 @@
     <p:sldId id="261" r:id="rId11"/>
     <p:sldId id="262" r:id="rId12"/>
     <p:sldId id="263" r:id="rId13"/>
+    <p:sldId id="264" r:id="rId14"/>
+    <p:sldId id="265" r:id="rId15"/>
+    <p:sldId id="266" r:id="rId16"/>
   </p:sldIdLst>
   <p:sldSz cy="5143500" cx="9144000"/>
   <p:notesSz cx="6858000" cy="9144000"/>
   <p:embeddedFontLst>
     <p:embeddedFont>
       <p:font typeface="Proxima Nova"/>
-      <p:regular r:id="rId14"/>
-      <p:bold r:id="rId15"/>
-      <p:italic r:id="rId16"/>
-      <p:boldItalic r:id="rId17"/>
+      <p:regular r:id="rId17"/>
+      <p:bold r:id="rId18"/>
+      <p:italic r:id="rId19"/>
+      <p:boldItalic r:id="rId20"/>
     </p:embeddedFont>
     <p:embeddedFont>
       <p:font typeface="Merriweather"/>
-      <p:regular r:id="rId18"/>
-      <p:bold r:id="rId19"/>
-      <p:italic r:id="rId20"/>
-      <p:boldItalic r:id="rId21"/>
+      <p:regular r:id="rId21"/>
+      <p:bold r:id="rId22"/>
+      <p:italic r:id="rId23"/>
+      <p:boldItalic r:id="rId24"/>
     </p:embeddedFont>
   </p:embeddedFontLst>
   <p:defaultTextStyle>
@@ -808,6 +811,220 @@
 </p:notes>
 </file>
 
+<file path=ppt/notesSlides/notesSlide10.xml><?xml version="1.0" encoding="utf-8"?>
+<p:notes xmlns:a="http://schemas.openxmlformats.org/drawingml/2006/main" xmlns:r="http://schemas.openxmlformats.org/officeDocument/2006/relationships" xmlns:mc="http://schemas.openxmlformats.org/markup-compatibility/2006" xmlns:mv="urn:schemas-microsoft-com:mac:vml" xmlns:p="http://schemas.openxmlformats.org/presentationml/2006/main" xmlns:c="http://schemas.openxmlformats.org/drawingml/2006/chart" xmlns:dgm="http://schemas.openxmlformats.org/drawingml/2006/diagram" xmlns:o="urn:schemas-microsoft-com:office:office" xmlns:v="urn:schemas-microsoft-com:vml" xmlns:pvml="urn:schemas-microsoft-com:office:powerpoint" xmlns:com="http://schemas.openxmlformats.org/drawingml/2006/compatibility" xmlns:p14="http://schemas.microsoft.com/office/powerpoint/2010/main" xmlns:p15="http://schemas.microsoft.com/office/powerpoint/2012/main" xmlns:ahyp="http://schemas.microsoft.com/office/drawing/2018/hyperlinkcolor" showMasterPhAnim="0" showMasterSp="0">
+  <p:cSld>
+    <p:spTree>
+      <p:nvGrpSpPr>
+        <p:cNvPr id="124" name="Shape 124"/>
+        <p:cNvGrpSpPr/>
+        <p:nvPr/>
+      </p:nvGrpSpPr>
+      <p:grpSpPr>
+        <a:xfrm>
+          <a:off x="0" y="0"/>
+          <a:ext cx="0" cy="0"/>
+          <a:chOff x="0" y="0"/>
+          <a:chExt cx="0" cy="0"/>
+        </a:xfrm>
+      </p:grpSpPr>
+      <p:sp>
+        <p:nvSpPr>
+          <p:cNvPr id="125" name="Google Shape;125;g218ac8a04c3_0_0:notes"/>
+          <p:cNvSpPr/>
+          <p:nvPr>
+            <p:ph idx="2" type="sldImg"/>
+          </p:nvPr>
+        </p:nvSpPr>
+        <p:spPr>
+          <a:xfrm>
+            <a:off x="381300" y="685800"/>
+            <a:ext cx="6096000" cy="3429000"/>
+          </a:xfrm>
+          <a:custGeom>
+            <a:rect b="b" l="l" r="r" t="t"/>
+            <a:pathLst>
+              <a:path extrusionOk="0" h="120000" w="120000">
+                <a:moveTo>
+                  <a:pt x="0" y="0"/>
+                </a:moveTo>
+                <a:lnTo>
+                  <a:pt x="120000" y="0"/>
+                </a:lnTo>
+                <a:lnTo>
+                  <a:pt x="120000" y="120000"/>
+                </a:lnTo>
+                <a:lnTo>
+                  <a:pt x="0" y="120000"/>
+                </a:lnTo>
+                <a:close/>
+              </a:path>
+            </a:pathLst>
+          </a:custGeom>
+        </p:spPr>
+      </p:sp>
+      <p:sp>
+        <p:nvSpPr>
+          <p:cNvPr id="126" name="Google Shape;126;g218ac8a04c3_0_0:notes"/>
+          <p:cNvSpPr txBox="1"/>
+          <p:nvPr>
+            <p:ph idx="1" type="body"/>
+          </p:nvPr>
+        </p:nvSpPr>
+        <p:spPr>
+          <a:xfrm>
+            <a:off x="685800" y="4343400"/>
+            <a:ext cx="5486400" cy="4114800"/>
+          </a:xfrm>
+          <a:prstGeom prst="rect">
+            <a:avLst/>
+          </a:prstGeom>
+        </p:spPr>
+        <p:txBody>
+          <a:bodyPr anchorCtr="0" anchor="t" bIns="91425" lIns="91425" spcFirstLastPara="1" rIns="91425" wrap="square" tIns="91425">
+            <a:noAutofit/>
+          </a:bodyPr>
+          <a:lstStyle/>
+          <a:p>
+            <a:pPr indent="0" lvl="0" marL="0" rtl="0" algn="l">
+              <a:spcBef>
+                <a:spcPts val="0"/>
+              </a:spcBef>
+              <a:spcAft>
+                <a:spcPts val="0"/>
+              </a:spcAft>
+              <a:buNone/>
+            </a:pPr>
+            <a:r>
+              <a:rPr lang="en"/>
+              <a:t>Highlights key learnings and takeaways from analysis</a:t>
+            </a:r>
+            <a:endParaRPr/>
+          </a:p>
+          <a:p>
+            <a:pPr indent="0" lvl="0" marL="0" rtl="0" algn="l">
+              <a:spcBef>
+                <a:spcPts val="0"/>
+              </a:spcBef>
+              <a:spcAft>
+                <a:spcPts val="0"/>
+              </a:spcAft>
+              <a:buNone/>
+            </a:pPr>
+            <a:r>
+              <a:t/>
+            </a:r>
+            <a:endParaRPr/>
+          </a:p>
+        </p:txBody>
+      </p:sp>
+    </p:spTree>
+  </p:cSld>
+  <p:clrMapOvr>
+    <a:masterClrMapping/>
+  </p:clrMapOvr>
+</p:notes>
+</file>
+
+<file path=ppt/notesSlides/notesSlide11.xml><?xml version="1.0" encoding="utf-8"?>
+<p:notes xmlns:a="http://schemas.openxmlformats.org/drawingml/2006/main" xmlns:r="http://schemas.openxmlformats.org/officeDocument/2006/relationships" xmlns:mc="http://schemas.openxmlformats.org/markup-compatibility/2006" xmlns:mv="urn:schemas-microsoft-com:mac:vml" xmlns:p="http://schemas.openxmlformats.org/presentationml/2006/main" xmlns:c="http://schemas.openxmlformats.org/drawingml/2006/chart" xmlns:dgm="http://schemas.openxmlformats.org/drawingml/2006/diagram" xmlns:o="urn:schemas-microsoft-com:office:office" xmlns:v="urn:schemas-microsoft-com:vml" xmlns:pvml="urn:schemas-microsoft-com:office:powerpoint" xmlns:com="http://schemas.openxmlformats.org/drawingml/2006/compatibility" xmlns:p14="http://schemas.microsoft.com/office/powerpoint/2010/main" xmlns:p15="http://schemas.microsoft.com/office/powerpoint/2012/main" xmlns:ahyp="http://schemas.microsoft.com/office/drawing/2018/hyperlinkcolor" showMasterPhAnim="0" showMasterSp="0">
+  <p:cSld>
+    <p:spTree>
+      <p:nvGrpSpPr>
+        <p:cNvPr id="130" name="Shape 130"/>
+        <p:cNvGrpSpPr/>
+        <p:nvPr/>
+      </p:nvGrpSpPr>
+      <p:grpSpPr>
+        <a:xfrm>
+          <a:off x="0" y="0"/>
+          <a:ext cx="0" cy="0"/>
+          <a:chOff x="0" y="0"/>
+          <a:chExt cx="0" cy="0"/>
+        </a:xfrm>
+      </p:grpSpPr>
+      <p:sp>
+        <p:nvSpPr>
+          <p:cNvPr id="131" name="Google Shape;131;g218ac8a04c3_0_60:notes"/>
+          <p:cNvSpPr/>
+          <p:nvPr>
+            <p:ph idx="2" type="sldImg"/>
+          </p:nvPr>
+        </p:nvSpPr>
+        <p:spPr>
+          <a:xfrm>
+            <a:off x="381300" y="685800"/>
+            <a:ext cx="6096000" cy="3429000"/>
+          </a:xfrm>
+          <a:custGeom>
+            <a:rect b="b" l="l" r="r" t="t"/>
+            <a:pathLst>
+              <a:path extrusionOk="0" h="120000" w="120000">
+                <a:moveTo>
+                  <a:pt x="0" y="0"/>
+                </a:moveTo>
+                <a:lnTo>
+                  <a:pt x="120000" y="0"/>
+                </a:lnTo>
+                <a:lnTo>
+                  <a:pt x="120000" y="120000"/>
+                </a:lnTo>
+                <a:lnTo>
+                  <a:pt x="0" y="120000"/>
+                </a:lnTo>
+                <a:close/>
+              </a:path>
+            </a:pathLst>
+          </a:custGeom>
+        </p:spPr>
+      </p:sp>
+      <p:sp>
+        <p:nvSpPr>
+          <p:cNvPr id="132" name="Google Shape;132;g218ac8a04c3_0_60:notes"/>
+          <p:cNvSpPr txBox="1"/>
+          <p:nvPr>
+            <p:ph idx="1" type="body"/>
+          </p:nvPr>
+        </p:nvSpPr>
+        <p:spPr>
+          <a:xfrm>
+            <a:off x="685800" y="4343400"/>
+            <a:ext cx="5486400" cy="4114800"/>
+          </a:xfrm>
+          <a:prstGeom prst="rect">
+            <a:avLst/>
+          </a:prstGeom>
+        </p:spPr>
+        <p:txBody>
+          <a:bodyPr anchorCtr="0" anchor="t" bIns="91425" lIns="91425" spcFirstLastPara="1" rIns="91425" wrap="square" tIns="91425">
+            <a:noAutofit/>
+          </a:bodyPr>
+          <a:lstStyle/>
+          <a:p>
+            <a:pPr indent="0" lvl="0" marL="0" rtl="0" algn="l">
+              <a:spcBef>
+                <a:spcPts val="0"/>
+              </a:spcBef>
+              <a:spcAft>
+                <a:spcPts val="0"/>
+              </a:spcAft>
+              <a:buNone/>
+            </a:pPr>
+            <a:r>
+              <a:t/>
+            </a:r>
+            <a:endParaRPr/>
+          </a:p>
+        </p:txBody>
+      </p:sp>
+    </p:spTree>
+  </p:cSld>
+  <p:clrMapOvr>
+    <a:masterClrMapping/>
+  </p:clrMapOvr>
+</p:notes>
+</file>
+
 <file path=ppt/notesSlides/notesSlide2.xml><?xml version="1.0" encoding="utf-8"?>
 <p:notes xmlns:a="http://schemas.openxmlformats.org/drawingml/2006/main" xmlns:r="http://schemas.openxmlformats.org/officeDocument/2006/relationships" xmlns:mc="http://schemas.openxmlformats.org/markup-compatibility/2006" xmlns:mv="urn:schemas-microsoft-com:mac:vml" xmlns:p="http://schemas.openxmlformats.org/presentationml/2006/main" xmlns:c="http://schemas.openxmlformats.org/drawingml/2006/chart" xmlns:dgm="http://schemas.openxmlformats.org/drawingml/2006/diagram" xmlns:o="urn:schemas-microsoft-com:office:office" xmlns:v="urn:schemas-microsoft-com:vml" xmlns:pvml="urn:schemas-microsoft-com:office:powerpoint" xmlns:com="http://schemas.openxmlformats.org/drawingml/2006/compatibility" xmlns:p14="http://schemas.microsoft.com/office/powerpoint/2010/main" xmlns:p15="http://schemas.microsoft.com/office/powerpoint/2012/main" xmlns:ahyp="http://schemas.microsoft.com/office/drawing/2018/hyperlinkcolor" showMasterPhAnim="0" showMasterSp="0">
   <p:cSld>
@@ -1124,7 +1341,7 @@
       </p:grpSpPr>
       <p:sp>
         <p:nvSpPr>
-          <p:cNvPr id="90" name="Google Shape;90;g218ac8a04c3_0_45:notes"/>
+          <p:cNvPr id="90" name="Google Shape;90;g21907285dfd_0_0:notes"/>
           <p:cNvSpPr/>
           <p:nvPr>
             <p:ph idx="2" type="sldImg"/>
@@ -1159,7 +1376,7 @@
       </p:sp>
       <p:sp>
         <p:nvSpPr>
-          <p:cNvPr id="91" name="Google Shape;91;g218ac8a04c3_0_45:notes"/>
+          <p:cNvPr id="91" name="Google Shape;91;g21907285dfd_0_0:notes"/>
           <p:cNvSpPr txBox="1"/>
           <p:nvPr>
             <p:ph idx="1" type="body"/>
@@ -1223,7 +1440,7 @@
       </p:grpSpPr>
       <p:sp>
         <p:nvSpPr>
-          <p:cNvPr id="97" name="Google Shape;97;g218ac8a04c3_0_35:notes"/>
+          <p:cNvPr id="97" name="Google Shape;97;g21907285dfd_0_6:notes"/>
           <p:cNvSpPr/>
           <p:nvPr>
             <p:ph idx="2" type="sldImg"/>
@@ -1258,7 +1475,7 @@
       </p:sp>
       <p:sp>
         <p:nvSpPr>
-          <p:cNvPr id="98" name="Google Shape;98;g218ac8a04c3_0_35:notes"/>
+          <p:cNvPr id="98" name="Google Shape;98;g21907285dfd_0_6:notes"/>
           <p:cNvSpPr txBox="1"/>
           <p:nvPr>
             <p:ph idx="1" type="body"/>
@@ -1322,7 +1539,7 @@
       </p:grpSpPr>
       <p:sp>
         <p:nvSpPr>
-          <p:cNvPr id="104" name="Google Shape;104;g218ac8a04c3_0_0:notes"/>
+          <p:cNvPr id="104" name="Google Shape;104;g21907285dfd_0_12:notes"/>
           <p:cNvSpPr/>
           <p:nvPr>
             <p:ph idx="2" type="sldImg"/>
@@ -1357,7 +1574,7 @@
       </p:sp>
       <p:sp>
         <p:nvSpPr>
-          <p:cNvPr id="105" name="Google Shape;105;g218ac8a04c3_0_0:notes"/>
+          <p:cNvPr id="105" name="Google Shape;105;g21907285dfd_0_12:notes"/>
           <p:cNvSpPr txBox="1"/>
           <p:nvPr>
             <p:ph idx="1" type="body"/>
@@ -1377,22 +1594,6 @@
             <a:noAutofit/>
           </a:bodyPr>
           <a:lstStyle/>
-          <a:p>
-            <a:pPr indent="0" lvl="0" marL="0" rtl="0" algn="l">
-              <a:spcBef>
-                <a:spcPts val="0"/>
-              </a:spcBef>
-              <a:spcAft>
-                <a:spcPts val="0"/>
-              </a:spcAft>
-              <a:buNone/>
-            </a:pPr>
-            <a:r>
-              <a:rPr lang="en"/>
-              <a:t>Highlights key learnings and takeaways from analysis</a:t>
-            </a:r>
-            <a:endParaRPr/>
-          </a:p>
           <a:p>
             <a:pPr indent="0" lvl="0" marL="0" rtl="0" algn="l">
               <a:spcBef>
@@ -1423,7 +1624,7 @@
   <p:cSld>
     <p:spTree>
       <p:nvGrpSpPr>
-        <p:cNvPr id="109" name="Shape 109"/>
+        <p:cNvPr id="110" name="Shape 110"/>
         <p:cNvGrpSpPr/>
         <p:nvPr/>
       </p:nvGrpSpPr>
@@ -1437,7 +1638,7 @@
       </p:grpSpPr>
       <p:sp>
         <p:nvSpPr>
-          <p:cNvPr id="110" name="Google Shape;110;g218ac8a04c3_0_60:notes"/>
+          <p:cNvPr id="111" name="Google Shape;111;g218ac8a04c3_0_45:notes"/>
           <p:cNvSpPr/>
           <p:nvPr>
             <p:ph idx="2" type="sldImg"/>
@@ -1472,7 +1673,106 @@
       </p:sp>
       <p:sp>
         <p:nvSpPr>
-          <p:cNvPr id="111" name="Google Shape;111;g218ac8a04c3_0_60:notes"/>
+          <p:cNvPr id="112" name="Google Shape;112;g218ac8a04c3_0_45:notes"/>
+          <p:cNvSpPr txBox="1"/>
+          <p:nvPr>
+            <p:ph idx="1" type="body"/>
+          </p:nvPr>
+        </p:nvSpPr>
+        <p:spPr>
+          <a:xfrm>
+            <a:off x="685800" y="4343400"/>
+            <a:ext cx="5486400" cy="4114800"/>
+          </a:xfrm>
+          <a:prstGeom prst="rect">
+            <a:avLst/>
+          </a:prstGeom>
+        </p:spPr>
+        <p:txBody>
+          <a:bodyPr anchorCtr="0" anchor="t" bIns="91425" lIns="91425" spcFirstLastPara="1" rIns="91425" wrap="square" tIns="91425">
+            <a:noAutofit/>
+          </a:bodyPr>
+          <a:lstStyle/>
+          <a:p>
+            <a:pPr indent="0" lvl="0" marL="0" rtl="0" algn="l">
+              <a:spcBef>
+                <a:spcPts val="0"/>
+              </a:spcBef>
+              <a:spcAft>
+                <a:spcPts val="0"/>
+              </a:spcAft>
+              <a:buNone/>
+            </a:pPr>
+            <a:r>
+              <a:t/>
+            </a:r>
+            <a:endParaRPr/>
+          </a:p>
+        </p:txBody>
+      </p:sp>
+    </p:spTree>
+  </p:cSld>
+  <p:clrMapOvr>
+    <a:masterClrMapping/>
+  </p:clrMapOvr>
+</p:notes>
+</file>
+
+<file path=ppt/notesSlides/notesSlide9.xml><?xml version="1.0" encoding="utf-8"?>
+<p:notes xmlns:a="http://schemas.openxmlformats.org/drawingml/2006/main" xmlns:r="http://schemas.openxmlformats.org/officeDocument/2006/relationships" xmlns:mc="http://schemas.openxmlformats.org/markup-compatibility/2006" xmlns:mv="urn:schemas-microsoft-com:mac:vml" xmlns:p="http://schemas.openxmlformats.org/presentationml/2006/main" xmlns:c="http://schemas.openxmlformats.org/drawingml/2006/chart" xmlns:dgm="http://schemas.openxmlformats.org/drawingml/2006/diagram" xmlns:o="urn:schemas-microsoft-com:office:office" xmlns:v="urn:schemas-microsoft-com:vml" xmlns:pvml="urn:schemas-microsoft-com:office:powerpoint" xmlns:com="http://schemas.openxmlformats.org/drawingml/2006/compatibility" xmlns:p14="http://schemas.microsoft.com/office/powerpoint/2010/main" xmlns:p15="http://schemas.microsoft.com/office/powerpoint/2012/main" xmlns:ahyp="http://schemas.microsoft.com/office/drawing/2018/hyperlinkcolor" showMasterPhAnim="0" showMasterSp="0">
+  <p:cSld>
+    <p:spTree>
+      <p:nvGrpSpPr>
+        <p:cNvPr id="117" name="Shape 117"/>
+        <p:cNvGrpSpPr/>
+        <p:nvPr/>
+      </p:nvGrpSpPr>
+      <p:grpSpPr>
+        <a:xfrm>
+          <a:off x="0" y="0"/>
+          <a:ext cx="0" cy="0"/>
+          <a:chOff x="0" y="0"/>
+          <a:chExt cx="0" cy="0"/>
+        </a:xfrm>
+      </p:grpSpPr>
+      <p:sp>
+        <p:nvSpPr>
+          <p:cNvPr id="118" name="Google Shape;118;g218ac8a04c3_0_35:notes"/>
+          <p:cNvSpPr/>
+          <p:nvPr>
+            <p:ph idx="2" type="sldImg"/>
+          </p:nvPr>
+        </p:nvSpPr>
+        <p:spPr>
+          <a:xfrm>
+            <a:off x="381300" y="685800"/>
+            <a:ext cx="6096000" cy="3429000"/>
+          </a:xfrm>
+          <a:custGeom>
+            <a:rect b="b" l="l" r="r" t="t"/>
+            <a:pathLst>
+              <a:path extrusionOk="0" h="120000" w="120000">
+                <a:moveTo>
+                  <a:pt x="0" y="0"/>
+                </a:moveTo>
+                <a:lnTo>
+                  <a:pt x="120000" y="0"/>
+                </a:lnTo>
+                <a:lnTo>
+                  <a:pt x="120000" y="120000"/>
+                </a:lnTo>
+                <a:lnTo>
+                  <a:pt x="0" y="120000"/>
+                </a:lnTo>
+                <a:close/>
+              </a:path>
+            </a:pathLst>
+          </a:custGeom>
+        </p:spPr>
+      </p:sp>
+      <p:sp>
+        <p:nvSpPr>
+          <p:cNvPr id="119" name="Google Shape;119;g218ac8a04c3_0_35:notes"/>
           <p:cNvSpPr txBox="1"/>
           <p:nvPr>
             <p:ph idx="1" type="body"/>
@@ -7028,6 +7328,257 @@
 </p:sld>
 </file>
 
+<file path=ppt/slides/slide10.xml><?xml version="1.0" encoding="utf-8"?>
+<p:sld xmlns:a="http://schemas.openxmlformats.org/drawingml/2006/main" xmlns:r="http://schemas.openxmlformats.org/officeDocument/2006/relationships" xmlns:mc="http://schemas.openxmlformats.org/markup-compatibility/2006" xmlns:mv="urn:schemas-microsoft-com:mac:vml" xmlns:p="http://schemas.openxmlformats.org/presentationml/2006/main" xmlns:c="http://schemas.openxmlformats.org/drawingml/2006/chart" xmlns:dgm="http://schemas.openxmlformats.org/drawingml/2006/diagram" xmlns:o="urn:schemas-microsoft-com:office:office" xmlns:v="urn:schemas-microsoft-com:vml" xmlns:pvml="urn:schemas-microsoft-com:office:powerpoint" xmlns:com="http://schemas.openxmlformats.org/drawingml/2006/compatibility" xmlns:p14="http://schemas.microsoft.com/office/powerpoint/2010/main" xmlns:p15="http://schemas.microsoft.com/office/powerpoint/2012/main" xmlns:ahyp="http://schemas.microsoft.com/office/drawing/2018/hyperlinkcolor">
+  <p:cSld>
+    <p:spTree>
+      <p:nvGrpSpPr>
+        <p:cNvPr id="127" name="Shape 127"/>
+        <p:cNvGrpSpPr/>
+        <p:nvPr/>
+      </p:nvGrpSpPr>
+      <p:grpSpPr>
+        <a:xfrm>
+          <a:off x="0" y="0"/>
+          <a:ext cx="0" cy="0"/>
+          <a:chOff x="0" y="0"/>
+          <a:chExt cx="0" cy="0"/>
+        </a:xfrm>
+      </p:grpSpPr>
+      <p:sp>
+        <p:nvSpPr>
+          <p:cNvPr id="128" name="Google Shape;128;p22"/>
+          <p:cNvSpPr txBox="1"/>
+          <p:nvPr>
+            <p:ph type="title"/>
+          </p:nvPr>
+        </p:nvSpPr>
+        <p:spPr>
+          <a:xfrm>
+            <a:off x="311700" y="445025"/>
+            <a:ext cx="8520600" cy="572700"/>
+          </a:xfrm>
+          <a:prstGeom prst="rect">
+            <a:avLst/>
+          </a:prstGeom>
+        </p:spPr>
+        <p:txBody>
+          <a:bodyPr anchorCtr="0" anchor="t" bIns="91425" lIns="91425" spcFirstLastPara="1" rIns="91425" wrap="square" tIns="91425">
+            <a:normAutofit fontScale="90000"/>
+          </a:bodyPr>
+          <a:lstStyle/>
+          <a:p>
+            <a:pPr indent="0" lvl="0" marL="0" rtl="0" algn="l">
+              <a:spcBef>
+                <a:spcPts val="0"/>
+              </a:spcBef>
+              <a:spcAft>
+                <a:spcPts val="0"/>
+              </a:spcAft>
+              <a:buNone/>
+            </a:pPr>
+            <a:r>
+              <a:rPr lang="en"/>
+              <a:t>Executive Summary</a:t>
+            </a:r>
+            <a:endParaRPr/>
+          </a:p>
+        </p:txBody>
+      </p:sp>
+      <p:sp>
+        <p:nvSpPr>
+          <p:cNvPr id="129" name="Google Shape;129;p22"/>
+          <p:cNvSpPr txBox="1"/>
+          <p:nvPr>
+            <p:ph idx="1" type="body"/>
+          </p:nvPr>
+        </p:nvSpPr>
+        <p:spPr>
+          <a:xfrm>
+            <a:off x="311700" y="991050"/>
+            <a:ext cx="8520600" cy="3993900"/>
+          </a:xfrm>
+          <a:prstGeom prst="rect">
+            <a:avLst/>
+          </a:prstGeom>
+        </p:spPr>
+        <p:txBody>
+          <a:bodyPr anchorCtr="0" anchor="t" bIns="91425" lIns="91425" spcFirstLastPara="1" rIns="91425" wrap="square" tIns="91425">
+            <a:normAutofit fontScale="85000" lnSpcReduction="20000"/>
+          </a:bodyPr>
+          <a:lstStyle/>
+          <a:p>
+            <a:pPr indent="457200" lvl="0" marL="0" rtl="0" algn="l">
+              <a:spcBef>
+                <a:spcPts val="0"/>
+              </a:spcBef>
+              <a:spcAft>
+                <a:spcPts val="0"/>
+              </a:spcAft>
+              <a:buNone/>
+            </a:pPr>
+            <a:r>
+              <a:rPr lang="en"/>
+              <a:t>To start off with, let’s talk about the interesting </a:t>
+            </a:r>
+            <a:r>
+              <a:rPr lang="en"/>
+              <a:t>points</a:t>
+            </a:r>
+            <a:r>
+              <a:rPr lang="en"/>
+              <a:t> from the data. Through the analysis, I found that for the AI likes to categorize longer tweets as negative and also has a much higher confidence for this over the positive and neutral ones. Some specifics for the airlines is that Delta only had tweets from certain days, and Virgin Airlines had the lowest tweet count. </a:t>
+            </a:r>
+            <a:r>
+              <a:rPr lang="en"/>
+              <a:t>Also, if you ever need to choose an airline to fly with, we find that Delta, Southwest, and Virgin America are your best choices into avoiding bad experiences.</a:t>
+            </a:r>
+            <a:endParaRPr/>
+          </a:p>
+          <a:p>
+            <a:pPr indent="457200" lvl="0" marL="0" rtl="0" algn="l">
+              <a:spcBef>
+                <a:spcPts val="1200"/>
+              </a:spcBef>
+              <a:spcAft>
+                <a:spcPts val="1200"/>
+              </a:spcAft>
+              <a:buNone/>
+            </a:pPr>
+            <a:r>
+              <a:rPr lang="en"/>
+              <a:t>The main takeaway from the analysis is that Twitter users are more </a:t>
+            </a:r>
+            <a:r>
+              <a:rPr lang="en"/>
+              <a:t>likely to leave negative Tweets over positive/neutral ones. From this, we see that the purpose of creating this dataset was going to be most useful to the airline’s in the dataset. By taking a deeper dive into the data, important information on what areas should be improved in their service can be extracted as seen in the Top 10 chart.  Airlines have been notorious for a lack of customer service, and the analysis proves that customers are finding some point to be unacceptable, thus posting it on the internet. From the logistic regression model, we are able to find that Airline Sentiment is very predictable through models using the other data available like Timezone and Reason. Although the model was not perfect, I was able to showcase its use through an attractive confusion matrix. </a:t>
+            </a:r>
+            <a:endParaRPr/>
+          </a:p>
+        </p:txBody>
+      </p:sp>
+    </p:spTree>
+  </p:cSld>
+  <p:clrMapOvr>
+    <a:masterClrMapping/>
+  </p:clrMapOvr>
+</p:sld>
+</file>
+
+<file path=ppt/slides/slide11.xml><?xml version="1.0" encoding="utf-8"?>
+<p:sld xmlns:a="http://schemas.openxmlformats.org/drawingml/2006/main" xmlns:r="http://schemas.openxmlformats.org/officeDocument/2006/relationships" xmlns:mc="http://schemas.openxmlformats.org/markup-compatibility/2006" xmlns:mv="urn:schemas-microsoft-com:mac:vml" xmlns:p="http://schemas.openxmlformats.org/presentationml/2006/main" xmlns:c="http://schemas.openxmlformats.org/drawingml/2006/chart" xmlns:dgm="http://schemas.openxmlformats.org/drawingml/2006/diagram" xmlns:o="urn:schemas-microsoft-com:office:office" xmlns:v="urn:schemas-microsoft-com:vml" xmlns:pvml="urn:schemas-microsoft-com:office:powerpoint" xmlns:com="http://schemas.openxmlformats.org/drawingml/2006/compatibility" xmlns:p14="http://schemas.microsoft.com/office/powerpoint/2010/main" xmlns:p15="http://schemas.microsoft.com/office/powerpoint/2012/main" xmlns:ahyp="http://schemas.microsoft.com/office/drawing/2018/hyperlinkcolor">
+  <p:cSld>
+    <p:spTree>
+      <p:nvGrpSpPr>
+        <p:cNvPr id="133" name="Shape 133"/>
+        <p:cNvGrpSpPr/>
+        <p:nvPr/>
+      </p:nvGrpSpPr>
+      <p:grpSpPr>
+        <a:xfrm>
+          <a:off x="0" y="0"/>
+          <a:ext cx="0" cy="0"/>
+          <a:chOff x="0" y="0"/>
+          <a:chExt cx="0" cy="0"/>
+        </a:xfrm>
+      </p:grpSpPr>
+      <p:sp>
+        <p:nvSpPr>
+          <p:cNvPr id="134" name="Google Shape;134;p23"/>
+          <p:cNvSpPr txBox="1"/>
+          <p:nvPr>
+            <p:ph type="title"/>
+          </p:nvPr>
+        </p:nvSpPr>
+        <p:spPr>
+          <a:xfrm>
+            <a:off x="311700" y="445025"/>
+            <a:ext cx="8520600" cy="572700"/>
+          </a:xfrm>
+          <a:prstGeom prst="rect">
+            <a:avLst/>
+          </a:prstGeom>
+        </p:spPr>
+        <p:txBody>
+          <a:bodyPr anchorCtr="0" anchor="t" bIns="91425" lIns="91425" spcFirstLastPara="1" rIns="91425" wrap="square" tIns="91425">
+            <a:normAutofit fontScale="90000"/>
+          </a:bodyPr>
+          <a:lstStyle/>
+          <a:p>
+            <a:pPr indent="0" lvl="0" marL="0" rtl="0" algn="l">
+              <a:spcBef>
+                <a:spcPts val="0"/>
+              </a:spcBef>
+              <a:spcAft>
+                <a:spcPts val="0"/>
+              </a:spcAft>
+              <a:buNone/>
+            </a:pPr>
+            <a:r>
+              <a:rPr lang="en"/>
+              <a:t>Appendix</a:t>
+            </a:r>
+            <a:endParaRPr/>
+          </a:p>
+        </p:txBody>
+      </p:sp>
+      <p:sp>
+        <p:nvSpPr>
+          <p:cNvPr id="135" name="Google Shape;135;p23"/>
+          <p:cNvSpPr txBox="1"/>
+          <p:nvPr>
+            <p:ph idx="1" type="body"/>
+          </p:nvPr>
+        </p:nvSpPr>
+        <p:spPr>
+          <a:xfrm>
+            <a:off x="311700" y="1152475"/>
+            <a:ext cx="8520600" cy="3416400"/>
+          </a:xfrm>
+          <a:prstGeom prst="rect">
+            <a:avLst/>
+          </a:prstGeom>
+        </p:spPr>
+        <p:txBody>
+          <a:bodyPr anchorCtr="0" anchor="t" bIns="91425" lIns="91425" spcFirstLastPara="1" rIns="91425" wrap="square" tIns="91425">
+            <a:normAutofit/>
+          </a:bodyPr>
+          <a:lstStyle/>
+          <a:p>
+            <a:pPr indent="0" lvl="0" marL="0" rtl="0" algn="l">
+              <a:spcBef>
+                <a:spcPts val="0"/>
+              </a:spcBef>
+              <a:spcAft>
+                <a:spcPts val="1200"/>
+              </a:spcAft>
+              <a:buNone/>
+            </a:pPr>
+            <a:r>
+              <a:rPr lang="en"/>
+              <a:t>All of the material can be found on Github: </a:t>
+            </a:r>
+            <a:r>
+              <a:rPr lang="en" u="sng">
+                <a:solidFill>
+                  <a:schemeClr val="hlink"/>
+                </a:solidFill>
+                <a:hlinkClick r:id="rId3"/>
+              </a:rPr>
+              <a:t>https://github.com/dapak2002/MGSC-410-Homework-1</a:t>
+            </a:r>
+            <a:endParaRPr/>
+          </a:p>
+        </p:txBody>
+      </p:sp>
+    </p:spTree>
+  </p:cSld>
+  <p:clrMapOvr>
+    <a:masterClrMapping/>
+  </p:clrMapOvr>
+</p:sld>
+</file>
+
 <file path=ppt/slides/slide2.xml><?xml version="1.0" encoding="utf-8"?>
 <p:sld xmlns:a="http://schemas.openxmlformats.org/drawingml/2006/main" xmlns:r="http://schemas.openxmlformats.org/officeDocument/2006/relationships" xmlns:mc="http://schemas.openxmlformats.org/markup-compatibility/2006" xmlns:mv="urn:schemas-microsoft-com:mac:vml" xmlns:p="http://schemas.openxmlformats.org/presentationml/2006/main" xmlns:c="http://schemas.openxmlformats.org/drawingml/2006/chart" xmlns:dgm="http://schemas.openxmlformats.org/drawingml/2006/diagram" xmlns:o="urn:schemas-microsoft-com:office:office" xmlns:v="urn:schemas-microsoft-com:vml" xmlns:pvml="urn:schemas-microsoft-com:office:powerpoint" xmlns:com="http://schemas.openxmlformats.org/drawingml/2006/compatibility" xmlns:p14="http://schemas.microsoft.com/office/powerpoint/2010/main" xmlns:p15="http://schemas.microsoft.com/office/powerpoint/2012/main" xmlns:ahyp="http://schemas.microsoft.com/office/drawing/2018/hyperlinkcolor">
   <p:cSld>
@@ -7673,7 +8224,7 @@
         </p:nvSpPr>
         <p:spPr>
           <a:xfrm>
-            <a:off x="311700" y="458000"/>
+            <a:off x="311700" y="445025"/>
             <a:ext cx="8520600" cy="572700"/>
           </a:xfrm>
           <a:prstGeom prst="rect">
@@ -7697,7 +8248,7 @@
             </a:pPr>
             <a:r>
               <a:rPr lang="en"/>
-              <a:t>Why are airlines getting negative feedback?</a:t>
+              <a:t>Distribution of Tweets by Day of the Week</a:t>
             </a:r>
             <a:endParaRPr/>
           </a:p>
@@ -7713,8 +8264,8 @@
         </p:nvSpPr>
         <p:spPr>
           <a:xfrm>
-            <a:off x="5032450" y="1063175"/>
-            <a:ext cx="3553200" cy="3909000"/>
+            <a:off x="5261450" y="999825"/>
+            <a:ext cx="3605100" cy="3917100"/>
           </a:xfrm>
           <a:prstGeom prst="rect">
             <a:avLst/>
@@ -7722,7 +8273,7 @@
         </p:spPr>
         <p:txBody>
           <a:bodyPr anchorCtr="0" anchor="t" bIns="91425" lIns="91425" spcFirstLastPara="1" rIns="91425" wrap="square" tIns="91425">
-            <a:normAutofit fontScale="92500" lnSpcReduction="10000"/>
+            <a:normAutofit lnSpcReduction="10000"/>
           </a:bodyPr>
           <a:lstStyle/>
           <a:p>
@@ -7731,33 +8282,21 @@
                 <a:spcPts val="0"/>
               </a:spcBef>
               <a:spcAft>
-                <a:spcPts val="0"/>
+                <a:spcPts val="1200"/>
               </a:spcAft>
               <a:buNone/>
             </a:pPr>
             <a:r>
               <a:rPr lang="en"/>
-              <a:t>Next, I looked into </a:t>
+              <a:t>By separating the tweets into the days of the weeks, this graph tells us a few key important points. First, the most interesting point is that American only had tweets from Mon, Sun, and Tues. But, spreading out those tweets puts them about average for total number of tweets. The last point is that Virgin America had by far the least amount of tweets. This may explain the even distribution of sentiment in the last </a:t>
             </a:r>
             <a:r>
               <a:rPr lang="en"/>
-              <a:t>the reasons why airlines might be getting negative reviews.</a:t>
+              <a:t>graph</a:t>
             </a:r>
-            <a:endParaRPr/>
-          </a:p>
-          <a:p>
-            <a:pPr indent="0" lvl="0" marL="0" rtl="0" algn="l">
-              <a:spcBef>
-                <a:spcPts val="1200"/>
-              </a:spcBef>
-              <a:spcAft>
-                <a:spcPts val="1200"/>
-              </a:spcAft>
-              <a:buNone/>
-            </a:pPr>
             <a:r>
               <a:rPr lang="en"/>
-              <a:t>From the “negativereason” column, I created a bar chart to plot the frequencies of each reason. The top issue with the airlines was Customer Service. This shows how airlines may be able to improve their relationship with customers through investing into ensuring on-time flights and resolving customer service issues in a timely manner.</a:t>
+              <a:t>.</a:t>
             </a:r>
             <a:endParaRPr/>
           </a:p>
@@ -7779,8 +8318,8 @@
         </p:blipFill>
         <p:spPr>
           <a:xfrm>
-            <a:off x="152400" y="1183100"/>
-            <a:ext cx="4721150" cy="3418281"/>
+            <a:off x="134575" y="1100525"/>
+            <a:ext cx="5126876" cy="3715700"/>
           </a:xfrm>
           <a:prstGeom prst="rect">
             <a:avLst/>
@@ -7850,7 +8389,7 @@
             </a:pPr>
             <a:r>
               <a:rPr lang="en"/>
-              <a:t>Trying to Predict Airline Sentiment</a:t>
+              <a:t>Length of Tweet by Sentiment</a:t>
             </a:r>
             <a:endParaRPr/>
           </a:p>
@@ -7866,8 +8405,8 @@
         </p:nvSpPr>
         <p:spPr>
           <a:xfrm>
-            <a:off x="311700" y="1152475"/>
-            <a:ext cx="3714000" cy="3416400"/>
+            <a:off x="311700" y="1028363"/>
+            <a:ext cx="4007700" cy="3928500"/>
           </a:xfrm>
           <a:prstGeom prst="rect">
             <a:avLst/>
@@ -7875,7 +8414,7 @@
         </p:spPr>
         <p:txBody>
           <a:bodyPr anchorCtr="0" anchor="t" bIns="91425" lIns="91425" spcFirstLastPara="1" rIns="91425" wrap="square" tIns="91425">
-            <a:normAutofit fontScale="70000" lnSpcReduction="10000"/>
+            <a:normAutofit lnSpcReduction="10000"/>
           </a:bodyPr>
           <a:lstStyle/>
           <a:p>
@@ -7890,15 +8429,7 @@
             </a:pPr>
             <a:r>
               <a:rPr lang="en"/>
-              <a:t>Using a logistic </a:t>
-            </a:r>
-            <a:r>
-              <a:rPr lang="en"/>
-              <a:t>regression</a:t>
-            </a:r>
-            <a:r>
-              <a:rPr lang="en"/>
-              <a:t> model, I was using Airline, Reason, and Timezone to predict Airline Sentiment. I used an 80/20 training test split and overall the model performed well. </a:t>
+              <a:t>An interesting factor that could have played into the role of many tweets getting categorized as “negative” by the AI is the length of the tweet.</a:t>
             </a:r>
             <a:endParaRPr/>
           </a:p>
@@ -7908,29 +8439,21 @@
                 <a:spcPts val="1200"/>
               </a:spcBef>
               <a:spcAft>
-                <a:spcPts val="0"/>
+                <a:spcPts val="1200"/>
               </a:spcAft>
               <a:buNone/>
             </a:pPr>
             <a:r>
               <a:rPr lang="en"/>
-              <a:t>With only a small portion of false positives in from neutral, the model was able to perfectly predict all of the negative reviews. This shows us that the logistic regression model is proficient in being able to predict Airline Sentiment given Reason and Timezone of the user.</a:t>
+              <a:t>This box and whisker plot shows us that the average length of a negative </a:t>
             </a:r>
-            <a:endParaRPr/>
-          </a:p>
-          <a:p>
-            <a:pPr indent="0" lvl="0" marL="0" rtl="0" algn="l">
-              <a:spcBef>
-                <a:spcPts val="1200"/>
-              </a:spcBef>
-              <a:spcAft>
-                <a:spcPts val="1200"/>
-              </a:spcAft>
-              <a:buNone/>
-            </a:pPr>
             <a:r>
               <a:rPr lang="en"/>
-              <a:t>However, a fatal flaw to this model is it might have result from bias because Reason and Airline Sentiment are too closely related. In future iterations, this may have different predictors. </a:t>
+              <a:t>tweet</a:t>
+            </a:r>
+            <a:r>
+              <a:rPr lang="en"/>
+              <a:t> is about 25% larger than the neutral and positive tweets. From the way the AI categorizes tweets, this may be showing the bias towards categorizing longer tweets as negative.</a:t>
             </a:r>
             <a:endParaRPr/>
           </a:p>
@@ -7942,17 +8465,18 @@
           <p:cNvPicPr preferRelativeResize="0"/>
           <p:nvPr/>
         </p:nvPicPr>
-        <p:blipFill rotWithShape="1">
+        <p:blipFill>
           <a:blip r:embed="rId3">
             <a:alphaModFix/>
           </a:blip>
-          <a:srcRect b="0" l="0" r="0" t="1107"/>
-          <a:stretch/>
+          <a:stretch>
+            <a:fillRect/>
+          </a:stretch>
         </p:blipFill>
         <p:spPr>
           <a:xfrm>
-            <a:off x="4079150" y="1240338"/>
-            <a:ext cx="5123325" cy="3240675"/>
+            <a:off x="4377875" y="1017725"/>
+            <a:ext cx="4623275" cy="3717325"/>
           </a:xfrm>
           <a:prstGeom prst="rect">
             <a:avLst/>
@@ -8022,7 +8546,7 @@
             </a:pPr>
             <a:r>
               <a:rPr lang="en"/>
-              <a:t>Executive Summary</a:t>
+              <a:t>Distribution of Confidence Score of Sentiment</a:t>
             </a:r>
             <a:endParaRPr/>
           </a:p>
@@ -8038,8 +8562,8 @@
         </p:nvSpPr>
         <p:spPr>
           <a:xfrm>
-            <a:off x="311700" y="1171950"/>
-            <a:ext cx="8520600" cy="3416400"/>
+            <a:off x="5416250" y="1017725"/>
+            <a:ext cx="3510900" cy="3559800"/>
           </a:xfrm>
           <a:prstGeom prst="rect">
             <a:avLst/>
@@ -8051,7 +8575,7 @@
           </a:bodyPr>
           <a:lstStyle/>
           <a:p>
-            <a:pPr indent="457200" lvl="0" marL="0" rtl="0" algn="l">
+            <a:pPr indent="0" lvl="0" marL="0" rtl="0" algn="l">
               <a:spcBef>
                 <a:spcPts val="0"/>
               </a:spcBef>
@@ -8062,16 +8586,52 @@
             </a:pPr>
             <a:r>
               <a:rPr lang="en"/>
-              <a:t>The main takeaway from the analysis is that Twitter users are more </a:t>
+              <a:t>To confirm our suspicions, I looked into the </a:t>
             </a:r>
             <a:r>
               <a:rPr lang="en"/>
-              <a:t>likely to leave negative Tweets over positive/neutral ones. From this, we see that the purpose of creating this dataset was going to be most useful to the airlines mentioned. Also, if you ever need to choose an airline to fly with, we find that Delta, Southwest, and Virgin America are your best choices into avoiding bad experiences. By taking a deeper dive into the data, important information on what areas should be improved in their service can be extracted as seen in the Top 10 chart.  Airlines have been notorious for a lack of customer service, and the analysis proves that customers are finding some point to be unacceptable, thus posting it on the internet. From the logistic regression model, we are able to find that Airline Sentiment is very predictable through models using the other data available like Timezone and Reason. Although the model was not perfect, is was able to showcase its use through an attractive confusion matrix. </a:t>
+              <a:t>distribution</a:t>
+            </a:r>
+            <a:r>
+              <a:rPr lang="en"/>
+              <a:t> of confidence </a:t>
+            </a:r>
+            <a:r>
+              <a:rPr lang="en"/>
+              <a:t>scores for each sentiment. Negative shows an almost perfect 1 average meaning that the AI is fully confident that it had recognized the negative tweets correctly. Pairing this with our last question, we can conclude that longer tweets are more likely to be negative with the AI worse at predicting neutral and positive tweets.</a:t>
             </a:r>
             <a:endParaRPr/>
           </a:p>
         </p:txBody>
       </p:sp>
+      <p:pic>
+        <p:nvPicPr>
+          <p:cNvPr id="109" name="Google Shape;109;p19"/>
+          <p:cNvPicPr preferRelativeResize="0"/>
+          <p:nvPr/>
+        </p:nvPicPr>
+        <p:blipFill>
+          <a:blip r:embed="rId3">
+            <a:alphaModFix/>
+          </a:blip>
+          <a:stretch>
+            <a:fillRect/>
+          </a:stretch>
+        </p:blipFill>
+        <p:spPr>
+          <a:xfrm>
+            <a:off x="45199" y="966513"/>
+            <a:ext cx="5371051" cy="3892675"/>
+          </a:xfrm>
+          <a:prstGeom prst="rect">
+            <a:avLst/>
+          </a:prstGeom>
+          <a:noFill/>
+          <a:ln>
+            <a:noFill/>
+          </a:ln>
+        </p:spPr>
+      </p:pic>
     </p:spTree>
   </p:cSld>
   <p:clrMapOvr>
@@ -8085,7 +8645,7 @@
   <p:cSld>
     <p:spTree>
       <p:nvGrpSpPr>
-        <p:cNvPr id="112" name="Shape 112"/>
+        <p:cNvPr id="113" name="Shape 113"/>
         <p:cNvGrpSpPr/>
         <p:nvPr/>
       </p:nvGrpSpPr>
@@ -8099,7 +8659,7 @@
       </p:grpSpPr>
       <p:sp>
         <p:nvSpPr>
-          <p:cNvPr id="113" name="Google Shape;113;p20"/>
+          <p:cNvPr id="114" name="Google Shape;114;p20"/>
           <p:cNvSpPr txBox="1"/>
           <p:nvPr>
             <p:ph type="title"/>
@@ -8107,7 +8667,7 @@
         </p:nvSpPr>
         <p:spPr>
           <a:xfrm>
-            <a:off x="311700" y="445025"/>
+            <a:off x="311700" y="458000"/>
             <a:ext cx="8520600" cy="572700"/>
           </a:xfrm>
           <a:prstGeom prst="rect">
@@ -8131,7 +8691,7 @@
             </a:pPr>
             <a:r>
               <a:rPr lang="en"/>
-              <a:t>Appendix</a:t>
+              <a:t>Why are airlines getting negative feedback?</a:t>
             </a:r>
             <a:endParaRPr/>
           </a:p>
@@ -8139,7 +8699,7 @@
       </p:sp>
       <p:sp>
         <p:nvSpPr>
-          <p:cNvPr id="114" name="Google Shape;114;p20"/>
+          <p:cNvPr id="115" name="Google Shape;115;p20"/>
           <p:cNvSpPr txBox="1"/>
           <p:nvPr>
             <p:ph idx="1" type="body"/>
@@ -8147,8 +8707,8 @@
         </p:nvSpPr>
         <p:spPr>
           <a:xfrm>
-            <a:off x="311700" y="1152475"/>
-            <a:ext cx="8520600" cy="3416400"/>
+            <a:off x="408500" y="1030700"/>
+            <a:ext cx="3553200" cy="3909000"/>
           </a:xfrm>
           <a:prstGeom prst="rect">
             <a:avLst/>
@@ -8156,7 +8716,7 @@
         </p:spPr>
         <p:txBody>
           <a:bodyPr anchorCtr="0" anchor="t" bIns="91425" lIns="91425" spcFirstLastPara="1" rIns="91425" wrap="square" tIns="91425">
-            <a:normAutofit/>
+            <a:normAutofit fontScale="92500" lnSpcReduction="10000"/>
           </a:bodyPr>
           <a:lstStyle/>
           <a:p>
@@ -8165,27 +8725,238 @@
                 <a:spcPts val="0"/>
               </a:spcBef>
               <a:spcAft>
-                <a:spcPts val="1200"/>
+                <a:spcPts val="0"/>
               </a:spcAft>
               <a:buNone/>
             </a:pPr>
             <a:r>
               <a:rPr lang="en"/>
-              <a:t>All of the material can be found on Github: </a:t>
+              <a:t>Next, I looked into </a:t>
             </a:r>
             <a:r>
-              <a:rPr lang="en" u="sng">
-                <a:solidFill>
-                  <a:schemeClr val="hlink"/>
-                </a:solidFill>
-                <a:hlinkClick r:id="rId3"/>
-              </a:rPr>
-              <a:t>https://github.com/dapak2002/MGSC-410-Homework-1</a:t>
+              <a:rPr lang="en"/>
+              <a:t>the reasons why airlines might be getting negative reviews.</a:t>
+            </a:r>
+            <a:endParaRPr/>
+          </a:p>
+          <a:p>
+            <a:pPr indent="0" lvl="0" marL="0" rtl="0" algn="l">
+              <a:spcBef>
+                <a:spcPts val="1200"/>
+              </a:spcBef>
+              <a:spcAft>
+                <a:spcPts val="1200"/>
+              </a:spcAft>
+              <a:buNone/>
+            </a:pPr>
+            <a:r>
+              <a:rPr lang="en"/>
+              <a:t>From the “negativereason” column, I created a bar chart to plot the frequencies of each reason. The top issue with the airlines was Customer Service. This shows how airlines may be able to improve their relationship with customers through investing into ensuring on-time flights and resolving customer service issues in a timely manner.</a:t>
             </a:r>
             <a:endParaRPr/>
           </a:p>
         </p:txBody>
       </p:sp>
+      <p:pic>
+        <p:nvPicPr>
+          <p:cNvPr id="116" name="Google Shape;116;p20"/>
+          <p:cNvPicPr preferRelativeResize="0"/>
+          <p:nvPr/>
+        </p:nvPicPr>
+        <p:blipFill>
+          <a:blip r:embed="rId3">
+            <a:alphaModFix/>
+          </a:blip>
+          <a:stretch>
+            <a:fillRect/>
+          </a:stretch>
+        </p:blipFill>
+        <p:spPr>
+          <a:xfrm>
+            <a:off x="4152900" y="1111650"/>
+            <a:ext cx="4721150" cy="3418281"/>
+          </a:xfrm>
+          <a:prstGeom prst="rect">
+            <a:avLst/>
+          </a:prstGeom>
+          <a:noFill/>
+          <a:ln>
+            <a:noFill/>
+          </a:ln>
+        </p:spPr>
+      </p:pic>
+    </p:spTree>
+  </p:cSld>
+  <p:clrMapOvr>
+    <a:masterClrMapping/>
+  </p:clrMapOvr>
+</p:sld>
+</file>
+
+<file path=ppt/slides/slide9.xml><?xml version="1.0" encoding="utf-8"?>
+<p:sld xmlns:a="http://schemas.openxmlformats.org/drawingml/2006/main" xmlns:r="http://schemas.openxmlformats.org/officeDocument/2006/relationships" xmlns:mc="http://schemas.openxmlformats.org/markup-compatibility/2006" xmlns:mv="urn:schemas-microsoft-com:mac:vml" xmlns:p="http://schemas.openxmlformats.org/presentationml/2006/main" xmlns:c="http://schemas.openxmlformats.org/drawingml/2006/chart" xmlns:dgm="http://schemas.openxmlformats.org/drawingml/2006/diagram" xmlns:o="urn:schemas-microsoft-com:office:office" xmlns:v="urn:schemas-microsoft-com:vml" xmlns:pvml="urn:schemas-microsoft-com:office:powerpoint" xmlns:com="http://schemas.openxmlformats.org/drawingml/2006/compatibility" xmlns:p14="http://schemas.microsoft.com/office/powerpoint/2010/main" xmlns:p15="http://schemas.microsoft.com/office/powerpoint/2012/main" xmlns:ahyp="http://schemas.microsoft.com/office/drawing/2018/hyperlinkcolor">
+  <p:cSld>
+    <p:spTree>
+      <p:nvGrpSpPr>
+        <p:cNvPr id="120" name="Shape 120"/>
+        <p:cNvGrpSpPr/>
+        <p:nvPr/>
+      </p:nvGrpSpPr>
+      <p:grpSpPr>
+        <a:xfrm>
+          <a:off x="0" y="0"/>
+          <a:ext cx="0" cy="0"/>
+          <a:chOff x="0" y="0"/>
+          <a:chExt cx="0" cy="0"/>
+        </a:xfrm>
+      </p:grpSpPr>
+      <p:sp>
+        <p:nvSpPr>
+          <p:cNvPr id="121" name="Google Shape;121;p21"/>
+          <p:cNvSpPr txBox="1"/>
+          <p:nvPr>
+            <p:ph type="title"/>
+          </p:nvPr>
+        </p:nvSpPr>
+        <p:spPr>
+          <a:xfrm>
+            <a:off x="311700" y="445025"/>
+            <a:ext cx="8520600" cy="572700"/>
+          </a:xfrm>
+          <a:prstGeom prst="rect">
+            <a:avLst/>
+          </a:prstGeom>
+        </p:spPr>
+        <p:txBody>
+          <a:bodyPr anchorCtr="0" anchor="t" bIns="91425" lIns="91425" spcFirstLastPara="1" rIns="91425" wrap="square" tIns="91425">
+            <a:normAutofit fontScale="90000"/>
+          </a:bodyPr>
+          <a:lstStyle/>
+          <a:p>
+            <a:pPr indent="0" lvl="0" marL="0" rtl="0" algn="l">
+              <a:spcBef>
+                <a:spcPts val="0"/>
+              </a:spcBef>
+              <a:spcAft>
+                <a:spcPts val="0"/>
+              </a:spcAft>
+              <a:buNone/>
+            </a:pPr>
+            <a:r>
+              <a:rPr lang="en"/>
+              <a:t>Trying to Predict Airline Sentiment</a:t>
+            </a:r>
+            <a:endParaRPr/>
+          </a:p>
+        </p:txBody>
+      </p:sp>
+      <p:sp>
+        <p:nvSpPr>
+          <p:cNvPr id="122" name="Google Shape;122;p21"/>
+          <p:cNvSpPr txBox="1"/>
+          <p:nvPr>
+            <p:ph idx="1" type="body"/>
+          </p:nvPr>
+        </p:nvSpPr>
+        <p:spPr>
+          <a:xfrm>
+            <a:off x="5309863" y="1084100"/>
+            <a:ext cx="3714000" cy="3416400"/>
+          </a:xfrm>
+          <a:prstGeom prst="rect">
+            <a:avLst/>
+          </a:prstGeom>
+        </p:spPr>
+        <p:txBody>
+          <a:bodyPr anchorCtr="0" anchor="t" bIns="91425" lIns="91425" spcFirstLastPara="1" rIns="91425" wrap="square" tIns="91425">
+            <a:normAutofit fontScale="70000" lnSpcReduction="10000"/>
+          </a:bodyPr>
+          <a:lstStyle/>
+          <a:p>
+            <a:pPr indent="0" lvl="0" marL="0" rtl="0" algn="l">
+              <a:spcBef>
+                <a:spcPts val="0"/>
+              </a:spcBef>
+              <a:spcAft>
+                <a:spcPts val="0"/>
+              </a:spcAft>
+              <a:buNone/>
+            </a:pPr>
+            <a:r>
+              <a:rPr lang="en"/>
+              <a:t>Using a logistic </a:t>
+            </a:r>
+            <a:r>
+              <a:rPr lang="en"/>
+              <a:t>regression</a:t>
+            </a:r>
+            <a:r>
+              <a:rPr lang="en"/>
+              <a:t> model, I was using Airline, Reason, and Timezone to predict Airline Sentiment. I used an 80/20 training test split and overall the model performed well. </a:t>
+            </a:r>
+            <a:endParaRPr/>
+          </a:p>
+          <a:p>
+            <a:pPr indent="0" lvl="0" marL="0" rtl="0" algn="l">
+              <a:spcBef>
+                <a:spcPts val="1200"/>
+              </a:spcBef>
+              <a:spcAft>
+                <a:spcPts val="0"/>
+              </a:spcAft>
+              <a:buNone/>
+            </a:pPr>
+            <a:r>
+              <a:rPr lang="en"/>
+              <a:t>With only a small portion of false positives in from neutral, the model was able to perfectly predict all of the negative reviews. This shows us that the logistic regression model is proficient in being able to predict Airline Sentiment given Reason and Timezone of the user.</a:t>
+            </a:r>
+            <a:endParaRPr/>
+          </a:p>
+          <a:p>
+            <a:pPr indent="0" lvl="0" marL="0" rtl="0" algn="l">
+              <a:spcBef>
+                <a:spcPts val="1200"/>
+              </a:spcBef>
+              <a:spcAft>
+                <a:spcPts val="1200"/>
+              </a:spcAft>
+              <a:buNone/>
+            </a:pPr>
+            <a:r>
+              <a:rPr lang="en"/>
+              <a:t>However, a fatal flaw to this model is it might have result from bias because Reason and Airline Sentiment are too closely related. In future iterations, this may have different predictors. </a:t>
+            </a:r>
+            <a:endParaRPr/>
+          </a:p>
+        </p:txBody>
+      </p:sp>
+      <p:pic>
+        <p:nvPicPr>
+          <p:cNvPr id="123" name="Google Shape;123;p21"/>
+          <p:cNvPicPr preferRelativeResize="0"/>
+          <p:nvPr/>
+        </p:nvPicPr>
+        <p:blipFill rotWithShape="1">
+          <a:blip r:embed="rId3">
+            <a:alphaModFix/>
+          </a:blip>
+          <a:srcRect b="0" l="0" r="0" t="1107"/>
+          <a:stretch/>
+        </p:blipFill>
+        <p:spPr>
+          <a:xfrm>
+            <a:off x="117625" y="1171963"/>
+            <a:ext cx="5123325" cy="3240675"/>
+          </a:xfrm>
+          <a:prstGeom prst="rect">
+            <a:avLst/>
+          </a:prstGeom>
+          <a:noFill/>
+          <a:ln>
+            <a:noFill/>
+          </a:ln>
+        </p:spPr>
+      </p:pic>
     </p:spTree>
   </p:cSld>
   <p:clrMapOvr>

--- a/MGSC-410 Homework 1.pptx
+++ b/MGSC-410 Homework 1.pptx
@@ -7674,7 +7674,7 @@
             </a:r>
             <a:r>
               <a:rPr lang="en"/>
-              <a:t>chose to use for my dataset are "airline_sentiment", "airline_sentiment_confidence", "airline", "negativereason",  and "user_timezone". </a:t>
+              <a:t>chose to use for my dataset are "airline_sentiment", "airline_sentiment_confidence", "airline", "negativereason",  “tweet_created”, and "user_timezone". </a:t>
             </a:r>
             <a:endParaRPr/>
           </a:p>
@@ -8966,6 +8966,285 @@
 </file>
 
 <file path=ppt/theme/theme1.xml><?xml version="1.0" encoding="utf-8"?>
+<a:theme xmlns:a="http://schemas.openxmlformats.org/drawingml/2006/main" xmlns:r="http://schemas.openxmlformats.org/officeDocument/2006/relationships" name="Spearmint">
+  <a:themeElements>
+    <a:clrScheme name="Spearmint">
+      <a:dk1>
+        <a:srgbClr val="202729"/>
+      </a:dk1>
+      <a:lt1>
+        <a:srgbClr val="FFFFFF"/>
+      </a:lt1>
+      <a:dk2>
+        <a:srgbClr val="4BA173"/>
+      </a:dk2>
+      <a:lt2>
+        <a:srgbClr val="63D297"/>
+      </a:lt2>
+      <a:accent1>
+        <a:srgbClr val="353744"/>
+      </a:accent1>
+      <a:accent2>
+        <a:srgbClr val="424242"/>
+      </a:accent2>
+      <a:accent3>
+        <a:srgbClr val="616161"/>
+      </a:accent3>
+      <a:accent4>
+        <a:srgbClr val="999999"/>
+      </a:accent4>
+      <a:accent5>
+        <a:srgbClr val="FF5252"/>
+      </a:accent5>
+      <a:accent6>
+        <a:srgbClr val="FFF176"/>
+      </a:accent6>
+      <a:hlink>
+        <a:srgbClr val="FF5252"/>
+      </a:hlink>
+      <a:folHlink>
+        <a:srgbClr val="FF5252"/>
+      </a:folHlink>
+    </a:clrScheme>
+    <a:fontScheme name="Office">
+      <a:majorFont>
+        <a:latin typeface="Arial"/>
+        <a:ea typeface=""/>
+        <a:cs typeface=""/>
+        <a:font script="Jpan" typeface="ＭＳ Ｐゴシック"/>
+        <a:font script="Hang" typeface="맑은 고딕"/>
+        <a:font script="Hans" typeface="宋体"/>
+        <a:font script="Hant" typeface="新細明體"/>
+        <a:font script="Arab" typeface="Times New Roman"/>
+        <a:font script="Hebr" typeface="Times New Roman"/>
+        <a:font script="Thai" typeface="Angsana New"/>
+        <a:font script="Ethi" typeface="Nyala"/>
+        <a:font script="Beng" typeface="Vrinda"/>
+        <a:font script="Gujr" typeface="Shruti"/>
+        <a:font script="Khmr" typeface="MoolBoran"/>
+        <a:font script="Knda" typeface="Tunga"/>
+        <a:font script="Guru" typeface="Raavi"/>
+        <a:font script="Cans" typeface="Euphemia"/>
+        <a:font script="Cher" typeface="Plantagenet Cherokee"/>
+        <a:font script="Yiii" typeface="Microsoft Yi Baiti"/>
+        <a:font script="Tibt" typeface="Microsoft Himalaya"/>
+        <a:font script="Thaa" typeface="MV Boli"/>
+        <a:font script="Deva" typeface="Mangal"/>
+        <a:font script="Telu" typeface="Gautami"/>
+        <a:font script="Taml" typeface="Latha"/>
+        <a:font script="Syrc" typeface="Estrangelo Edessa"/>
+        <a:font script="Orya" typeface="Kalinga"/>
+        <a:font script="Mlym" typeface="Kartika"/>
+        <a:font script="Laoo" typeface="DokChampa"/>
+        <a:font script="Sinh" typeface="Iskoola Pota"/>
+        <a:font script="Mong" typeface="Mongolian Baiti"/>
+        <a:font script="Viet" typeface="Times New Roman"/>
+        <a:font script="Uigh" typeface="Microsoft Uighur"/>
+        <a:font script="Geor" typeface="Sylfaen"/>
+      </a:majorFont>
+      <a:minorFont>
+        <a:latin typeface="Arial"/>
+        <a:ea typeface=""/>
+        <a:cs typeface=""/>
+        <a:font script="Jpan" typeface="ＭＳ Ｐゴシック"/>
+        <a:font script="Hang" typeface="맑은 고딕"/>
+        <a:font script="Hans" typeface="宋体"/>
+        <a:font script="Hant" typeface="新細明體"/>
+        <a:font script="Arab" typeface="Arial"/>
+        <a:font script="Hebr" typeface="Arial"/>
+        <a:font script="Thai" typeface="Cordia New"/>
+        <a:font script="Ethi" typeface="Nyala"/>
+        <a:font script="Beng" typeface="Vrinda"/>
+        <a:font script="Gujr" typeface="Shruti"/>
+        <a:font script="Khmr" typeface="DaunPenh"/>
+        <a:font script="Knda" typeface="Tunga"/>
+        <a:font script="Guru" typeface="Raavi"/>
+        <a:font script="Cans" typeface="Euphemia"/>
+        <a:font script="Cher" typeface="Plantagenet Cherokee"/>
+        <a:font script="Yiii" typeface="Microsoft Yi Baiti"/>
+        <a:font script="Tibt" typeface="Microsoft Himalaya"/>
+        <a:font script="Thaa" typeface="MV Boli"/>
+        <a:font script="Deva" typeface="Mangal"/>
+        <a:font script="Telu" typeface="Gautami"/>
+        <a:font script="Taml" typeface="Latha"/>
+        <a:font script="Syrc" typeface="Estrangelo Edessa"/>
+        <a:font script="Orya" typeface="Kalinga"/>
+        <a:font script="Mlym" typeface="Kartika"/>
+        <a:font script="Laoo" typeface="DokChampa"/>
+        <a:font script="Sinh" typeface="Iskoola Pota"/>
+        <a:font script="Mong" typeface="Mongolian Baiti"/>
+        <a:font script="Viet" typeface="Arial"/>
+        <a:font script="Uigh" typeface="Microsoft Uighur"/>
+        <a:font script="Geor" typeface="Sylfaen"/>
+      </a:minorFont>
+    </a:fontScheme>
+    <a:fmtScheme name="Office">
+      <a:fillStyleLst>
+        <a:solidFill>
+          <a:schemeClr val="phClr"/>
+        </a:solidFill>
+        <a:gradFill rotWithShape="1">
+          <a:gsLst>
+            <a:gs pos="0">
+              <a:schemeClr val="phClr">
+                <a:tint val="50000"/>
+                <a:satMod val="300000"/>
+              </a:schemeClr>
+            </a:gs>
+            <a:gs pos="35000">
+              <a:schemeClr val="phClr">
+                <a:tint val="37000"/>
+                <a:satMod val="300000"/>
+              </a:schemeClr>
+            </a:gs>
+            <a:gs pos="100000">
+              <a:schemeClr val="phClr">
+                <a:tint val="15000"/>
+                <a:satMod val="350000"/>
+              </a:schemeClr>
+            </a:gs>
+          </a:gsLst>
+          <a:lin ang="16200000" scaled="1"/>
+        </a:gradFill>
+        <a:gradFill rotWithShape="1">
+          <a:gsLst>
+            <a:gs pos="0">
+              <a:schemeClr val="phClr">
+                <a:tint val="100000"/>
+                <a:shade val="100000"/>
+                <a:satMod val="130000"/>
+              </a:schemeClr>
+            </a:gs>
+            <a:gs pos="100000">
+              <a:schemeClr val="phClr">
+                <a:tint val="50000"/>
+                <a:shade val="100000"/>
+                <a:satMod val="350000"/>
+              </a:schemeClr>
+            </a:gs>
+          </a:gsLst>
+          <a:lin ang="16200000" scaled="0"/>
+        </a:gradFill>
+      </a:fillStyleLst>
+      <a:lnStyleLst>
+        <a:ln w="9525" cap="flat" cmpd="sng" algn="ctr">
+          <a:solidFill>
+            <a:schemeClr val="phClr">
+              <a:shade val="95000"/>
+              <a:satMod val="105000"/>
+            </a:schemeClr>
+          </a:solidFill>
+          <a:prstDash val="solid"/>
+        </a:ln>
+        <a:ln w="25400" cap="flat" cmpd="sng" algn="ctr">
+          <a:solidFill>
+            <a:schemeClr val="phClr"/>
+          </a:solidFill>
+          <a:prstDash val="solid"/>
+        </a:ln>
+        <a:ln w="38100" cap="flat" cmpd="sng" algn="ctr">
+          <a:solidFill>
+            <a:schemeClr val="phClr"/>
+          </a:solidFill>
+          <a:prstDash val="solid"/>
+        </a:ln>
+      </a:lnStyleLst>
+      <a:effectStyleLst>
+        <a:effectStyle>
+          <a:effectLst>
+            <a:outerShdw blurRad="40000" dist="20000" dir="5400000" rotWithShape="0">
+              <a:srgbClr val="000000">
+                <a:alpha val="38000"/>
+              </a:srgbClr>
+            </a:outerShdw>
+          </a:effectLst>
+        </a:effectStyle>
+        <a:effectStyle>
+          <a:effectLst>
+            <a:outerShdw blurRad="40000" dist="23000" dir="5400000" rotWithShape="0">
+              <a:srgbClr val="000000">
+                <a:alpha val="35000"/>
+              </a:srgbClr>
+            </a:outerShdw>
+          </a:effectLst>
+        </a:effectStyle>
+        <a:effectStyle>
+          <a:effectLst>
+            <a:outerShdw blurRad="40000" dist="23000" dir="5400000" rotWithShape="0">
+              <a:srgbClr val="000000">
+                <a:alpha val="35000"/>
+              </a:srgbClr>
+            </a:outerShdw>
+          </a:effectLst>
+          <a:scene3d>
+            <a:camera prst="orthographicFront">
+              <a:rot lat="0" lon="0" rev="0"/>
+            </a:camera>
+            <a:lightRig rig="threePt" dir="t">
+              <a:rot lat="0" lon="0" rev="1200000"/>
+            </a:lightRig>
+          </a:scene3d>
+          <a:sp3d>
+            <a:bevelT w="63500" h="25400"/>
+          </a:sp3d>
+        </a:effectStyle>
+      </a:effectStyleLst>
+      <a:bgFillStyleLst>
+        <a:solidFill>
+          <a:schemeClr val="phClr"/>
+        </a:solidFill>
+        <a:gradFill rotWithShape="1">
+          <a:gsLst>
+            <a:gs pos="0">
+              <a:schemeClr val="phClr">
+                <a:tint val="40000"/>
+                <a:satMod val="350000"/>
+              </a:schemeClr>
+            </a:gs>
+            <a:gs pos="40000">
+              <a:schemeClr val="phClr">
+                <a:tint val="45000"/>
+                <a:shade val="99000"/>
+                <a:satMod val="350000"/>
+              </a:schemeClr>
+            </a:gs>
+            <a:gs pos="100000">
+              <a:schemeClr val="phClr">
+                <a:shade val="20000"/>
+                <a:satMod val="255000"/>
+              </a:schemeClr>
+            </a:gs>
+          </a:gsLst>
+          <a:path path="circle">
+            <a:fillToRect l="50000" t="-80000" r="50000" b="180000"/>
+          </a:path>
+        </a:gradFill>
+        <a:gradFill rotWithShape="1">
+          <a:gsLst>
+            <a:gs pos="0">
+              <a:schemeClr val="phClr">
+                <a:tint val="80000"/>
+                <a:satMod val="300000"/>
+              </a:schemeClr>
+            </a:gs>
+            <a:gs pos="100000">
+              <a:schemeClr val="phClr">
+                <a:shade val="30000"/>
+                <a:satMod val="200000"/>
+              </a:schemeClr>
+            </a:gs>
+          </a:gsLst>
+          <a:path path="circle">
+            <a:fillToRect l="50000" t="50000" r="50000" b="50000"/>
+          </a:path>
+        </a:gradFill>
+      </a:bgFillStyleLst>
+    </a:fmtScheme>
+  </a:themeElements>
+</a:theme>
+</file>
+
+<file path=ppt/theme/theme2.xml><?xml version="1.0" encoding="utf-8"?>
 <a:theme xmlns:a="http://schemas.openxmlformats.org/drawingml/2006/main" xmlns:r="http://schemas.openxmlformats.org/officeDocument/2006/relationships">
   <a:themeElements>
     <a:clrScheme name="Default">
@@ -9242,283 +9521,4 @@
     </a:fmtScheme>
   </a:themeElements>
 </a:theme>
-</file>
-
-<file path=ppt/theme/theme2.xml><?xml version="1.0" encoding="utf-8"?>
-<a:theme xmlns:a="http://schemas.openxmlformats.org/drawingml/2006/main" xmlns:r="http://schemas.openxmlformats.org/officeDocument/2006/relationships" name="Spearmint">
-  <a:themeElements>
-    <a:clrScheme name="Spearmint">
-      <a:dk1>
-        <a:srgbClr val="202729"/>
-      </a:dk1>
-      <a:lt1>
-        <a:srgbClr val="FFFFFF"/>
-      </a:lt1>
-      <a:dk2>
-        <a:srgbClr val="4BA173"/>
-      </a:dk2>
-      <a:lt2>
-        <a:srgbClr val="63D297"/>
-      </a:lt2>
-      <a:accent1>
-        <a:srgbClr val="353744"/>
-      </a:accent1>
-      <a:accent2>
-        <a:srgbClr val="424242"/>
-      </a:accent2>
-      <a:accent3>
-        <a:srgbClr val="616161"/>
-      </a:accent3>
-      <a:accent4>
-        <a:srgbClr val="999999"/>
-      </a:accent4>
-      <a:accent5>
-        <a:srgbClr val="FF5252"/>
-      </a:accent5>
-      <a:accent6>
-        <a:srgbClr val="FFF176"/>
-      </a:accent6>
-      <a:hlink>
-        <a:srgbClr val="FF5252"/>
-      </a:hlink>
-      <a:folHlink>
-        <a:srgbClr val="FF5252"/>
-      </a:folHlink>
-    </a:clrScheme>
-    <a:fontScheme name="Office">
-      <a:majorFont>
-        <a:latin typeface="Arial"/>
-        <a:ea typeface=""/>
-        <a:cs typeface=""/>
-        <a:font script="Jpan" typeface="ＭＳ Ｐゴシック"/>
-        <a:font script="Hang" typeface="맑은 고딕"/>
-        <a:font script="Hans" typeface="宋体"/>
-        <a:font script="Hant" typeface="新細明體"/>
-        <a:font script="Arab" typeface="Times New Roman"/>
-        <a:font script="Hebr" typeface="Times New Roman"/>
-        <a:font script="Thai" typeface="Angsana New"/>
-        <a:font script="Ethi" typeface="Nyala"/>
-        <a:font script="Beng" typeface="Vrinda"/>
-        <a:font script="Gujr" typeface="Shruti"/>
-        <a:font script="Khmr" typeface="MoolBoran"/>
-        <a:font script="Knda" typeface="Tunga"/>
-        <a:font script="Guru" typeface="Raavi"/>
-        <a:font script="Cans" typeface="Euphemia"/>
-        <a:font script="Cher" typeface="Plantagenet Cherokee"/>
-        <a:font script="Yiii" typeface="Microsoft Yi Baiti"/>
-        <a:font script="Tibt" typeface="Microsoft Himalaya"/>
-        <a:font script="Thaa" typeface="MV Boli"/>
-        <a:font script="Deva" typeface="Mangal"/>
-        <a:font script="Telu" typeface="Gautami"/>
-        <a:font script="Taml" typeface="Latha"/>
-        <a:font script="Syrc" typeface="Estrangelo Edessa"/>
-        <a:font script="Orya" typeface="Kalinga"/>
-        <a:font script="Mlym" typeface="Kartika"/>
-        <a:font script="Laoo" typeface="DokChampa"/>
-        <a:font script="Sinh" typeface="Iskoola Pota"/>
-        <a:font script="Mong" typeface="Mongolian Baiti"/>
-        <a:font script="Viet" typeface="Times New Roman"/>
-        <a:font script="Uigh" typeface="Microsoft Uighur"/>
-        <a:font script="Geor" typeface="Sylfaen"/>
-      </a:majorFont>
-      <a:minorFont>
-        <a:latin typeface="Arial"/>
-        <a:ea typeface=""/>
-        <a:cs typeface=""/>
-        <a:font script="Jpan" typeface="ＭＳ Ｐゴシック"/>
-        <a:font script="Hang" typeface="맑은 고딕"/>
-        <a:font script="Hans" typeface="宋体"/>
-        <a:font script="Hant" typeface="新細明體"/>
-        <a:font script="Arab" typeface="Arial"/>
-        <a:font script="Hebr" typeface="Arial"/>
-        <a:font script="Thai" typeface="Cordia New"/>
-        <a:font script="Ethi" typeface="Nyala"/>
-        <a:font script="Beng" typeface="Vrinda"/>
-        <a:font script="Gujr" typeface="Shruti"/>
-        <a:font script="Khmr" typeface="DaunPenh"/>
-        <a:font script="Knda" typeface="Tunga"/>
-        <a:font script="Guru" typeface="Raavi"/>
-        <a:font script="Cans" typeface="Euphemia"/>
-        <a:font script="Cher" typeface="Plantagenet Cherokee"/>
-        <a:font script="Yiii" typeface="Microsoft Yi Baiti"/>
-        <a:font script="Tibt" typeface="Microsoft Himalaya"/>
-        <a:font script="Thaa" typeface="MV Boli"/>
-        <a:font script="Deva" typeface="Mangal"/>
-        <a:font script="Telu" typeface="Gautami"/>
-        <a:font script="Taml" typeface="Latha"/>
-        <a:font script="Syrc" typeface="Estrangelo Edessa"/>
-        <a:font script="Orya" typeface="Kalinga"/>
-        <a:font script="Mlym" typeface="Kartika"/>
-        <a:font script="Laoo" typeface="DokChampa"/>
-        <a:font script="Sinh" typeface="Iskoola Pota"/>
-        <a:font script="Mong" typeface="Mongolian Baiti"/>
-        <a:font script="Viet" typeface="Arial"/>
-        <a:font script="Uigh" typeface="Microsoft Uighur"/>
-        <a:font script="Geor" typeface="Sylfaen"/>
-      </a:minorFont>
-    </a:fontScheme>
-    <a:fmtScheme name="Office">
-      <a:fillStyleLst>
-        <a:solidFill>
-          <a:schemeClr val="phClr"/>
-        </a:solidFill>
-        <a:gradFill rotWithShape="1">
-          <a:gsLst>
-            <a:gs pos="0">
-              <a:schemeClr val="phClr">
-                <a:tint val="50000"/>
-                <a:satMod val="300000"/>
-              </a:schemeClr>
-            </a:gs>
-            <a:gs pos="35000">
-              <a:schemeClr val="phClr">
-                <a:tint val="37000"/>
-                <a:satMod val="300000"/>
-              </a:schemeClr>
-            </a:gs>
-            <a:gs pos="100000">
-              <a:schemeClr val="phClr">
-                <a:tint val="15000"/>
-                <a:satMod val="350000"/>
-              </a:schemeClr>
-            </a:gs>
-          </a:gsLst>
-          <a:lin ang="16200000" scaled="1"/>
-        </a:gradFill>
-        <a:gradFill rotWithShape="1">
-          <a:gsLst>
-            <a:gs pos="0">
-              <a:schemeClr val="phClr">
-                <a:tint val="100000"/>
-                <a:shade val="100000"/>
-                <a:satMod val="130000"/>
-              </a:schemeClr>
-            </a:gs>
-            <a:gs pos="100000">
-              <a:schemeClr val="phClr">
-                <a:tint val="50000"/>
-                <a:shade val="100000"/>
-                <a:satMod val="350000"/>
-              </a:schemeClr>
-            </a:gs>
-          </a:gsLst>
-          <a:lin ang="16200000" scaled="0"/>
-        </a:gradFill>
-      </a:fillStyleLst>
-      <a:lnStyleLst>
-        <a:ln w="9525" cap="flat" cmpd="sng" algn="ctr">
-          <a:solidFill>
-            <a:schemeClr val="phClr">
-              <a:shade val="95000"/>
-              <a:satMod val="105000"/>
-            </a:schemeClr>
-          </a:solidFill>
-          <a:prstDash val="solid"/>
-        </a:ln>
-        <a:ln w="25400" cap="flat" cmpd="sng" algn="ctr">
-          <a:solidFill>
-            <a:schemeClr val="phClr"/>
-          </a:solidFill>
-          <a:prstDash val="solid"/>
-        </a:ln>
-        <a:ln w="38100" cap="flat" cmpd="sng" algn="ctr">
-          <a:solidFill>
-            <a:schemeClr val="phClr"/>
-          </a:solidFill>
-          <a:prstDash val="solid"/>
-        </a:ln>
-      </a:lnStyleLst>
-      <a:effectStyleLst>
-        <a:effectStyle>
-          <a:effectLst>
-            <a:outerShdw blurRad="40000" dist="20000" dir="5400000" rotWithShape="0">
-              <a:srgbClr val="000000">
-                <a:alpha val="38000"/>
-              </a:srgbClr>
-            </a:outerShdw>
-          </a:effectLst>
-        </a:effectStyle>
-        <a:effectStyle>
-          <a:effectLst>
-            <a:outerShdw blurRad="40000" dist="23000" dir="5400000" rotWithShape="0">
-              <a:srgbClr val="000000">
-                <a:alpha val="35000"/>
-              </a:srgbClr>
-            </a:outerShdw>
-          </a:effectLst>
-        </a:effectStyle>
-        <a:effectStyle>
-          <a:effectLst>
-            <a:outerShdw blurRad="40000" dist="23000" dir="5400000" rotWithShape="0">
-              <a:srgbClr val="000000">
-                <a:alpha val="35000"/>
-              </a:srgbClr>
-            </a:outerShdw>
-          </a:effectLst>
-          <a:scene3d>
-            <a:camera prst="orthographicFront">
-              <a:rot lat="0" lon="0" rev="0"/>
-            </a:camera>
-            <a:lightRig rig="threePt" dir="t">
-              <a:rot lat="0" lon="0" rev="1200000"/>
-            </a:lightRig>
-          </a:scene3d>
-          <a:sp3d>
-            <a:bevelT w="63500" h="25400"/>
-          </a:sp3d>
-        </a:effectStyle>
-      </a:effectStyleLst>
-      <a:bgFillStyleLst>
-        <a:solidFill>
-          <a:schemeClr val="phClr"/>
-        </a:solidFill>
-        <a:gradFill rotWithShape="1">
-          <a:gsLst>
-            <a:gs pos="0">
-              <a:schemeClr val="phClr">
-                <a:tint val="40000"/>
-                <a:satMod val="350000"/>
-              </a:schemeClr>
-            </a:gs>
-            <a:gs pos="40000">
-              <a:schemeClr val="phClr">
-                <a:tint val="45000"/>
-                <a:shade val="99000"/>
-                <a:satMod val="350000"/>
-              </a:schemeClr>
-            </a:gs>
-            <a:gs pos="100000">
-              <a:schemeClr val="phClr">
-                <a:shade val="20000"/>
-                <a:satMod val="255000"/>
-              </a:schemeClr>
-            </a:gs>
-          </a:gsLst>
-          <a:path path="circle">
-            <a:fillToRect l="50000" t="-80000" r="50000" b="180000"/>
-          </a:path>
-        </a:gradFill>
-        <a:gradFill rotWithShape="1">
-          <a:gsLst>
-            <a:gs pos="0">
-              <a:schemeClr val="phClr">
-                <a:tint val="80000"/>
-                <a:satMod val="300000"/>
-              </a:schemeClr>
-            </a:gs>
-            <a:gs pos="100000">
-              <a:schemeClr val="phClr">
-                <a:shade val="30000"/>
-                <a:satMod val="200000"/>
-              </a:schemeClr>
-            </a:gs>
-          </a:gsLst>
-          <a:path path="circle">
-            <a:fillToRect l="50000" t="50000" r="50000" b="50000"/>
-          </a:path>
-        </a:gradFill>
-      </a:bgFillStyleLst>
-    </a:fmtScheme>
-  </a:themeElements>
-</a:theme>
 </file>